--- a/Presentation.pptx
+++ b/Presentation.pptx
@@ -212,7 +212,7 @@
           <a:p>
             <a:fld id="{50B20A01-65E4-4D78-9482-2328BEB2BBE8}" type="datetimeFigureOut">
               <a:rPr lang="en-US" smtClean="0"/>
-              <a:t>9/7/2018</a:t>
+              <a:t>9/13/2018</a:t>
             </a:fld>
             <a:endParaRPr lang="en-US"/>
           </a:p>
@@ -691,7 +691,7 @@
             <a:fld id="{53074F12-AA26-4AC8-9962-C36BB8F32554}" type="datetimeFigureOut">
               <a:rPr lang="en-US" smtClean="0"/>
               <a:pPr/>
-              <a:t>9/7/2018</a:t>
+              <a:t>9/13/2018</a:t>
             </a:fld>
             <a:endParaRPr lang="en-US"/>
           </a:p>
@@ -945,7 +945,7 @@
             <a:fld id="{53074F12-AA26-4AC8-9962-C36BB8F32554}" type="datetimeFigureOut">
               <a:rPr lang="en-US" smtClean="0"/>
               <a:pPr/>
-              <a:t>9/7/2018</a:t>
+              <a:t>9/13/2018</a:t>
             </a:fld>
             <a:endParaRPr lang="en-US"/>
           </a:p>
@@ -1115,7 +1115,7 @@
             <a:fld id="{53074F12-AA26-4AC8-9962-C36BB8F32554}" type="datetimeFigureOut">
               <a:rPr lang="en-US" smtClean="0"/>
               <a:pPr/>
-              <a:t>9/7/2018</a:t>
+              <a:t>9/13/2018</a:t>
             </a:fld>
             <a:endParaRPr lang="en-US"/>
           </a:p>
@@ -1295,7 +1295,7 @@
             <a:fld id="{53074F12-AA26-4AC8-9962-C36BB8F32554}" type="datetimeFigureOut">
               <a:rPr lang="en-US" smtClean="0"/>
               <a:pPr/>
-              <a:t>9/7/2018</a:t>
+              <a:t>9/13/2018</a:t>
             </a:fld>
             <a:endParaRPr lang="en-US"/>
           </a:p>
@@ -1577,7 +1577,7 @@
             <a:fld id="{53074F12-AA26-4AC8-9962-C36BB8F32554}" type="datetimeFigureOut">
               <a:rPr lang="en-US" smtClean="0"/>
               <a:pPr/>
-              <a:t>9/7/2018</a:t>
+              <a:t>9/13/2018</a:t>
             </a:fld>
             <a:endParaRPr lang="en-US"/>
           </a:p>
@@ -1824,7 +1824,7 @@
             <a:fld id="{53074F12-AA26-4AC8-9962-C36BB8F32554}" type="datetimeFigureOut">
               <a:rPr lang="en-US" smtClean="0"/>
               <a:pPr/>
-              <a:t>9/7/2018</a:t>
+              <a:t>9/13/2018</a:t>
             </a:fld>
             <a:endParaRPr lang="en-US"/>
           </a:p>
@@ -2071,7 +2071,7 @@
             <a:fld id="{53074F12-AA26-4AC8-9962-C36BB8F32554}" type="datetimeFigureOut">
               <a:rPr lang="en-US" smtClean="0"/>
               <a:pPr/>
-              <a:t>9/7/2018</a:t>
+              <a:t>9/13/2018</a:t>
             </a:fld>
             <a:endParaRPr lang="en-US"/>
           </a:p>
@@ -2358,7 +2358,7 @@
             <a:fld id="{53074F12-AA26-4AC8-9962-C36BB8F32554}" type="datetimeFigureOut">
               <a:rPr lang="en-US" smtClean="0"/>
               <a:pPr/>
-              <a:t>9/7/2018</a:t>
+              <a:t>9/13/2018</a:t>
             </a:fld>
             <a:endParaRPr lang="en-US"/>
           </a:p>
@@ -2845,7 +2845,7 @@
             <a:fld id="{53074F12-AA26-4AC8-9962-C36BB8F32554}" type="datetimeFigureOut">
               <a:rPr lang="en-US" smtClean="0"/>
               <a:pPr/>
-              <a:t>9/7/2018</a:t>
+              <a:t>9/13/2018</a:t>
             </a:fld>
             <a:endParaRPr lang="en-US"/>
           </a:p>
@@ -2964,7 +2964,7 @@
             <a:fld id="{53074F12-AA26-4AC8-9962-C36BB8F32554}" type="datetimeFigureOut">
               <a:rPr lang="en-US" smtClean="0"/>
               <a:pPr/>
-              <a:t>9/7/2018</a:t>
+              <a:t>9/13/2018</a:t>
             </a:fld>
             <a:endParaRPr lang="en-US"/>
           </a:p>
@@ -3061,7 +3061,7 @@
             <a:fld id="{53074F12-AA26-4AC8-9962-C36BB8F32554}" type="datetimeFigureOut">
               <a:rPr lang="en-US" smtClean="0"/>
               <a:pPr/>
-              <a:t>9/7/2018</a:t>
+              <a:t>9/13/2018</a:t>
             </a:fld>
             <a:endParaRPr lang="en-US"/>
           </a:p>
@@ -3338,7 +3338,7 @@
             <a:fld id="{53074F12-AA26-4AC8-9962-C36BB8F32554}" type="datetimeFigureOut">
               <a:rPr lang="en-US" smtClean="0"/>
               <a:pPr/>
-              <a:t>9/7/2018</a:t>
+              <a:t>9/13/2018</a:t>
             </a:fld>
             <a:endParaRPr lang="en-US"/>
           </a:p>
@@ -3560,7 +3560,7 @@
             <a:fld id="{53074F12-AA26-4AC8-9962-C36BB8F32554}" type="datetimeFigureOut">
               <a:rPr lang="en-US" smtClean="0"/>
               <a:pPr/>
-              <a:t>9/7/2018</a:t>
+              <a:t>9/13/2018</a:t>
             </a:fld>
             <a:endParaRPr lang="en-US"/>
           </a:p>
@@ -4914,11 +4914,14 @@
           </a:bodyPr>
           <a:lstStyle/>
           <a:p>
-            <a:endParaRPr lang="en-US" sz="1500" dirty="0">
-              <a:solidFill>
-                <a:schemeClr val="bg1"/>
-              </a:solidFill>
-            </a:endParaRPr>
+            <a:r>
+              <a:rPr lang="en-US" sz="1600" i="1" dirty="0">
+                <a:solidFill>
+                  <a:schemeClr val="bg1"/>
+                </a:solidFill>
+              </a:rPr>
+              <a:t>Our goal is to create a good software solution for our client in order to make this cultural festival more manageable and well organized.</a:t>
+            </a:r>
           </a:p>
         </p:txBody>
       </p:sp>
@@ -5105,6 +5108,115 @@
           </a:fontRef>
         </p:style>
       </p:cxnSp>
+      <p:sp>
+        <p:nvSpPr>
+          <p:cNvPr id="2" name="TextBox 1">
+            <a:extLst>
+              <a:ext uri="{FF2B5EF4-FFF2-40B4-BE49-F238E27FC236}">
+                <a16:creationId xmlns:a16="http://schemas.microsoft.com/office/drawing/2014/main" id="{341A402E-FA3C-4271-82C9-78D5F5D2A589}"/>
+              </a:ext>
+            </a:extLst>
+          </p:cNvPr>
+          <p:cNvSpPr txBox="1"/>
+          <p:nvPr/>
+        </p:nvSpPr>
+        <p:spPr>
+          <a:xfrm>
+            <a:off x="271069" y="1833086"/>
+            <a:ext cx="4733856" cy="2308324"/>
+          </a:xfrm>
+          <a:prstGeom prst="rect">
+            <a:avLst/>
+          </a:prstGeom>
+          <a:noFill/>
+        </p:spPr>
+        <p:txBody>
+          <a:bodyPr wrap="square" rtlCol="0">
+            <a:spAutoFit/>
+          </a:bodyPr>
+          <a:lstStyle/>
+          <a:p>
+            <a:pPr marL="285750" indent="-285750">
+              <a:buFont typeface="Arial" panose="020B0604020202020204" pitchFamily="34" charset="0"/>
+              <a:buChar char="•"/>
+            </a:pPr>
+            <a:r>
+              <a:rPr lang="en-GB" dirty="0"/>
+              <a:t>Food, drinks, souvenirs</a:t>
+            </a:r>
+          </a:p>
+          <a:p>
+            <a:pPr marL="285750" indent="-285750">
+              <a:buFont typeface="Arial" panose="020B0604020202020204" pitchFamily="34" charset="0"/>
+              <a:buChar char="•"/>
+            </a:pPr>
+            <a:r>
+              <a:rPr lang="en-GB" dirty="0"/>
+              <a:t>Loan stands</a:t>
+            </a:r>
+          </a:p>
+          <a:p>
+            <a:pPr marL="285750" indent="-285750">
+              <a:buFont typeface="Arial" panose="020B0604020202020204" pitchFamily="34" charset="0"/>
+              <a:buChar char="•"/>
+            </a:pPr>
+            <a:r>
+              <a:rPr lang="en-GB" dirty="0"/>
+              <a:t>ATM machines</a:t>
+            </a:r>
+          </a:p>
+          <a:p>
+            <a:pPr marL="285750" indent="-285750">
+              <a:buFont typeface="Arial" panose="020B0604020202020204" pitchFamily="34" charset="0"/>
+              <a:buChar char="•"/>
+            </a:pPr>
+            <a:r>
+              <a:rPr lang="en-GB" dirty="0"/>
+              <a:t>Camping sites </a:t>
+            </a:r>
+          </a:p>
+          <a:p>
+            <a:pPr marL="285750" indent="-285750">
+              <a:buFont typeface="Arial" panose="020B0604020202020204" pitchFamily="34" charset="0"/>
+              <a:buChar char="•"/>
+            </a:pPr>
+            <a:r>
+              <a:rPr lang="en-GB" dirty="0"/>
+              <a:t>Check-in/check-out</a:t>
+            </a:r>
+          </a:p>
+          <a:p>
+            <a:pPr marL="285750" indent="-285750">
+              <a:buFont typeface="Arial" panose="020B0604020202020204" pitchFamily="34" charset="0"/>
+              <a:buChar char="•"/>
+            </a:pPr>
+            <a:r>
+              <a:rPr lang="en-GB" dirty="0"/>
+              <a:t>Traditional music competition</a:t>
+            </a:r>
+          </a:p>
+          <a:p>
+            <a:pPr marL="285750" indent="-285750">
+              <a:buFont typeface="Arial" panose="020B0604020202020204" pitchFamily="34" charset="0"/>
+              <a:buChar char="•"/>
+            </a:pPr>
+            <a:r>
+              <a:rPr lang="en-GB" dirty="0"/>
+              <a:t>Lots of prizes</a:t>
+            </a:r>
+          </a:p>
+          <a:p>
+            <a:pPr marL="285750" indent="-285750">
+              <a:buFont typeface="Arial" panose="020B0604020202020204" pitchFamily="34" charset="0"/>
+              <a:buChar char="•"/>
+            </a:pPr>
+            <a:r>
+              <a:rPr lang="en-GB" dirty="0"/>
+              <a:t>Connecting people all over the Europe</a:t>
+            </a:r>
+          </a:p>
+        </p:txBody>
+      </p:sp>
     </p:spTree>
     <p:extLst>
       <p:ext uri="{BB962C8B-B14F-4D97-AF65-F5344CB8AC3E}">
@@ -5296,34 +5408,29 @@
         <p:spPr>
           <a:xfrm>
             <a:off x="725213" y="2516347"/>
-            <a:ext cx="2002055" cy="1820500"/>
+            <a:ext cx="2625147" cy="2345978"/>
           </a:xfrm>
         </p:spPr>
         <p:txBody>
           <a:bodyPr>
-            <a:normAutofit/>
+            <a:normAutofit fontScale="85000" lnSpcReduction="10000"/>
           </a:bodyPr>
           <a:lstStyle/>
           <a:p>
             <a:r>
-              <a:rPr lang="en-US" sz="1400" dirty="0"/>
+              <a:rPr lang="en-US" sz="2000" i="1" dirty="0"/>
               <a:t>Website</a:t>
             </a:r>
           </a:p>
           <a:p>
             <a:r>
-              <a:rPr lang="en-US" sz="1400" dirty="0"/>
-              <a:t>4 applications (ATM, buying food and drinks</a:t>
-            </a:r>
-            <a:r>
-              <a:rPr lang="en-US" sz="1400"/>
-              <a:t>, reservations)</a:t>
-            </a:r>
-            <a:endParaRPr lang="en-US" sz="1400" dirty="0"/>
-          </a:p>
-          <a:p>
-            <a:r>
-              <a:rPr lang="en-US" sz="1400" dirty="0"/>
+              <a:rPr lang="en-US" sz="2000" i="1" dirty="0"/>
+              <a:t>4 applications (ATM, buying food and drinks, reservations for camping site, checking people in and out)</a:t>
+            </a:r>
+          </a:p>
+          <a:p>
+            <a:r>
+              <a:rPr lang="en-US" sz="2000" i="1" dirty="0"/>
               <a:t>Database that supports website and apps</a:t>
             </a:r>
           </a:p>

--- a/Presentation.pptx
+++ b/Presentation.pptx
@@ -212,7 +212,7 @@
           <a:p>
             <a:fld id="{50B20A01-65E4-4D78-9482-2328BEB2BBE8}" type="datetimeFigureOut">
               <a:rPr lang="en-US" smtClean="0"/>
-              <a:t>9/13/2018</a:t>
+              <a:t>9/14/2018</a:t>
             </a:fld>
             <a:endParaRPr lang="en-US"/>
           </a:p>
@@ -691,7 +691,7 @@
             <a:fld id="{53074F12-AA26-4AC8-9962-C36BB8F32554}" type="datetimeFigureOut">
               <a:rPr lang="en-US" smtClean="0"/>
               <a:pPr/>
-              <a:t>9/13/2018</a:t>
+              <a:t>9/14/2018</a:t>
             </a:fld>
             <a:endParaRPr lang="en-US"/>
           </a:p>
@@ -945,7 +945,7 @@
             <a:fld id="{53074F12-AA26-4AC8-9962-C36BB8F32554}" type="datetimeFigureOut">
               <a:rPr lang="en-US" smtClean="0"/>
               <a:pPr/>
-              <a:t>9/13/2018</a:t>
+              <a:t>9/14/2018</a:t>
             </a:fld>
             <a:endParaRPr lang="en-US"/>
           </a:p>
@@ -1115,7 +1115,7 @@
             <a:fld id="{53074F12-AA26-4AC8-9962-C36BB8F32554}" type="datetimeFigureOut">
               <a:rPr lang="en-US" smtClean="0"/>
               <a:pPr/>
-              <a:t>9/13/2018</a:t>
+              <a:t>9/14/2018</a:t>
             </a:fld>
             <a:endParaRPr lang="en-US"/>
           </a:p>
@@ -1295,7 +1295,7 @@
             <a:fld id="{53074F12-AA26-4AC8-9962-C36BB8F32554}" type="datetimeFigureOut">
               <a:rPr lang="en-US" smtClean="0"/>
               <a:pPr/>
-              <a:t>9/13/2018</a:t>
+              <a:t>9/14/2018</a:t>
             </a:fld>
             <a:endParaRPr lang="en-US"/>
           </a:p>
@@ -1577,7 +1577,7 @@
             <a:fld id="{53074F12-AA26-4AC8-9962-C36BB8F32554}" type="datetimeFigureOut">
               <a:rPr lang="en-US" smtClean="0"/>
               <a:pPr/>
-              <a:t>9/13/2018</a:t>
+              <a:t>9/14/2018</a:t>
             </a:fld>
             <a:endParaRPr lang="en-US"/>
           </a:p>
@@ -1824,7 +1824,7 @@
             <a:fld id="{53074F12-AA26-4AC8-9962-C36BB8F32554}" type="datetimeFigureOut">
               <a:rPr lang="en-US" smtClean="0"/>
               <a:pPr/>
-              <a:t>9/13/2018</a:t>
+              <a:t>9/14/2018</a:t>
             </a:fld>
             <a:endParaRPr lang="en-US"/>
           </a:p>
@@ -2071,7 +2071,7 @@
             <a:fld id="{53074F12-AA26-4AC8-9962-C36BB8F32554}" type="datetimeFigureOut">
               <a:rPr lang="en-US" smtClean="0"/>
               <a:pPr/>
-              <a:t>9/13/2018</a:t>
+              <a:t>9/14/2018</a:t>
             </a:fld>
             <a:endParaRPr lang="en-US"/>
           </a:p>
@@ -2358,7 +2358,7 @@
             <a:fld id="{53074F12-AA26-4AC8-9962-C36BB8F32554}" type="datetimeFigureOut">
               <a:rPr lang="en-US" smtClean="0"/>
               <a:pPr/>
-              <a:t>9/13/2018</a:t>
+              <a:t>9/14/2018</a:t>
             </a:fld>
             <a:endParaRPr lang="en-US"/>
           </a:p>
@@ -2845,7 +2845,7 @@
             <a:fld id="{53074F12-AA26-4AC8-9962-C36BB8F32554}" type="datetimeFigureOut">
               <a:rPr lang="en-US" smtClean="0"/>
               <a:pPr/>
-              <a:t>9/13/2018</a:t>
+              <a:t>9/14/2018</a:t>
             </a:fld>
             <a:endParaRPr lang="en-US"/>
           </a:p>
@@ -2964,7 +2964,7 @@
             <a:fld id="{53074F12-AA26-4AC8-9962-C36BB8F32554}" type="datetimeFigureOut">
               <a:rPr lang="en-US" smtClean="0"/>
               <a:pPr/>
-              <a:t>9/13/2018</a:t>
+              <a:t>9/14/2018</a:t>
             </a:fld>
             <a:endParaRPr lang="en-US"/>
           </a:p>
@@ -3061,7 +3061,7 @@
             <a:fld id="{53074F12-AA26-4AC8-9962-C36BB8F32554}" type="datetimeFigureOut">
               <a:rPr lang="en-US" smtClean="0"/>
               <a:pPr/>
-              <a:t>9/13/2018</a:t>
+              <a:t>9/14/2018</a:t>
             </a:fld>
             <a:endParaRPr lang="en-US"/>
           </a:p>
@@ -3338,7 +3338,7 @@
             <a:fld id="{53074F12-AA26-4AC8-9962-C36BB8F32554}" type="datetimeFigureOut">
               <a:rPr lang="en-US" smtClean="0"/>
               <a:pPr/>
-              <a:t>9/13/2018</a:t>
+              <a:t>9/14/2018</a:t>
             </a:fld>
             <a:endParaRPr lang="en-US"/>
           </a:p>
@@ -3560,7 +3560,7 @@
             <a:fld id="{53074F12-AA26-4AC8-9962-C36BB8F32554}" type="datetimeFigureOut">
               <a:rPr lang="en-US" smtClean="0"/>
               <a:pPr/>
-              <a:t>9/13/2018</a:t>
+              <a:t>9/14/2018</a:t>
             </a:fld>
             <a:endParaRPr lang="en-US"/>
           </a:p>
@@ -4914,13 +4914,16 @@
           </a:bodyPr>
           <a:lstStyle/>
           <a:p>
-            <a:r>
-              <a:rPr lang="en-US" sz="1600" i="1" dirty="0">
+            <a:pPr marL="0" indent="0" algn="ctr">
+              <a:buNone/>
+            </a:pPr>
+            <a:r>
+              <a:rPr lang="en-US" sz="1800" dirty="0">
                 <a:solidFill>
                   <a:schemeClr val="bg1"/>
                 </a:solidFill>
               </a:rPr>
-              <a:t>Our goal is to create a good software solution for our client in order to make this cultural festival more manageable and well organized.</a:t>
+              <a:t>Our goal is to create a good software solution for our client in order to make the event manageable and well organized</a:t>
             </a:r>
           </a:p>
         </p:txBody>
@@ -5122,8 +5125,8 @@
         </p:nvSpPr>
         <p:spPr>
           <a:xfrm>
-            <a:off x="271069" y="1833086"/>
-            <a:ext cx="4733856" cy="2308324"/>
+            <a:off x="545762" y="1655520"/>
+            <a:ext cx="4733856" cy="2554545"/>
           </a:xfrm>
           <a:prstGeom prst="rect">
             <a:avLst/>
@@ -5141,7 +5144,14 @@
               <a:buChar char="•"/>
             </a:pPr>
             <a:r>
-              <a:rPr lang="en-GB" dirty="0"/>
+              <a:rPr lang="en-GB" sz="2000" dirty="0">
+                <a:solidFill>
+                  <a:schemeClr val="tx1">
+                    <a:lumMod val="65000"/>
+                    <a:lumOff val="35000"/>
+                  </a:schemeClr>
+                </a:solidFill>
+              </a:rPr>
               <a:t>Food, drinks, souvenirs</a:t>
             </a:r>
           </a:p>
@@ -5151,7 +5161,14 @@
               <a:buChar char="•"/>
             </a:pPr>
             <a:r>
-              <a:rPr lang="en-GB" dirty="0"/>
+              <a:rPr lang="en-GB" sz="2000" dirty="0">
+                <a:solidFill>
+                  <a:schemeClr val="tx1">
+                    <a:lumMod val="65000"/>
+                    <a:lumOff val="35000"/>
+                  </a:schemeClr>
+                </a:solidFill>
+              </a:rPr>
               <a:t>Loan stands</a:t>
             </a:r>
           </a:p>
@@ -5161,7 +5178,14 @@
               <a:buChar char="•"/>
             </a:pPr>
             <a:r>
-              <a:rPr lang="en-GB" dirty="0"/>
+              <a:rPr lang="en-GB" sz="2000" dirty="0">
+                <a:solidFill>
+                  <a:schemeClr val="tx1">
+                    <a:lumMod val="65000"/>
+                    <a:lumOff val="35000"/>
+                  </a:schemeClr>
+                </a:solidFill>
+              </a:rPr>
               <a:t>ATM machines</a:t>
             </a:r>
           </a:p>
@@ -5171,7 +5195,14 @@
               <a:buChar char="•"/>
             </a:pPr>
             <a:r>
-              <a:rPr lang="en-GB" dirty="0"/>
+              <a:rPr lang="en-GB" sz="2000" dirty="0">
+                <a:solidFill>
+                  <a:schemeClr val="tx1">
+                    <a:lumMod val="65000"/>
+                    <a:lumOff val="35000"/>
+                  </a:schemeClr>
+                </a:solidFill>
+              </a:rPr>
               <a:t>Camping sites </a:t>
             </a:r>
           </a:p>
@@ -5181,7 +5212,14 @@
               <a:buChar char="•"/>
             </a:pPr>
             <a:r>
-              <a:rPr lang="en-GB" dirty="0"/>
+              <a:rPr lang="en-GB" sz="2000" dirty="0">
+                <a:solidFill>
+                  <a:schemeClr val="tx1">
+                    <a:lumMod val="65000"/>
+                    <a:lumOff val="35000"/>
+                  </a:schemeClr>
+                </a:solidFill>
+              </a:rPr>
               <a:t>Check-in/check-out</a:t>
             </a:r>
           </a:p>
@@ -5191,7 +5229,14 @@
               <a:buChar char="•"/>
             </a:pPr>
             <a:r>
-              <a:rPr lang="en-GB" dirty="0"/>
+              <a:rPr lang="en-GB" sz="2000" dirty="0">
+                <a:solidFill>
+                  <a:schemeClr val="tx1">
+                    <a:lumMod val="65000"/>
+                    <a:lumOff val="35000"/>
+                  </a:schemeClr>
+                </a:solidFill>
+              </a:rPr>
               <a:t>Traditional music competition</a:t>
             </a:r>
           </a:p>
@@ -5201,7 +5246,14 @@
               <a:buChar char="•"/>
             </a:pPr>
             <a:r>
-              <a:rPr lang="en-GB" dirty="0"/>
+              <a:rPr lang="en-GB" sz="2000" dirty="0">
+                <a:solidFill>
+                  <a:schemeClr val="tx1">
+                    <a:lumMod val="65000"/>
+                    <a:lumOff val="35000"/>
+                  </a:schemeClr>
+                </a:solidFill>
+              </a:rPr>
               <a:t>Lots of prizes</a:t>
             </a:r>
           </a:p>
@@ -5211,7 +5263,14 @@
               <a:buChar char="•"/>
             </a:pPr>
             <a:r>
-              <a:rPr lang="en-GB" dirty="0"/>
+              <a:rPr lang="en-GB" sz="2000" dirty="0">
+                <a:solidFill>
+                  <a:schemeClr val="tx1">
+                    <a:lumMod val="65000"/>
+                    <a:lumOff val="35000"/>
+                  </a:schemeClr>
+                </a:solidFill>
+              </a:rPr>
               <a:t>Connecting people all over the Europe</a:t>
             </a:r>
           </a:p>
@@ -5407,30 +5466,51 @@
         </p:nvSpPr>
         <p:spPr>
           <a:xfrm>
-            <a:off x="725213" y="2516347"/>
-            <a:ext cx="2625147" cy="2345978"/>
+            <a:off x="448965" y="2516346"/>
+            <a:ext cx="2901395" cy="2627153"/>
           </a:xfrm>
         </p:spPr>
         <p:txBody>
           <a:bodyPr>
-            <a:normAutofit fontScale="85000" lnSpcReduction="10000"/>
+            <a:normAutofit fontScale="77500" lnSpcReduction="20000"/>
           </a:bodyPr>
           <a:lstStyle/>
           <a:p>
             <a:r>
-              <a:rPr lang="en-US" sz="2000" i="1" dirty="0"/>
+              <a:rPr lang="en-US" sz="2600" dirty="0">
+                <a:solidFill>
+                  <a:schemeClr val="tx1">
+                    <a:lumMod val="65000"/>
+                    <a:lumOff val="35000"/>
+                  </a:schemeClr>
+                </a:solidFill>
+              </a:rPr>
               <a:t>Website</a:t>
             </a:r>
           </a:p>
           <a:p>
             <a:r>
-              <a:rPr lang="en-US" sz="2000" i="1" dirty="0"/>
-              <a:t>4 applications (ATM, buying food and drinks, reservations for camping site, checking people in and out)</a:t>
-            </a:r>
-          </a:p>
-          <a:p>
-            <a:r>
-              <a:rPr lang="en-US" sz="2000" i="1" dirty="0"/>
+              <a:rPr lang="en-US" sz="2600" dirty="0">
+                <a:solidFill>
+                  <a:schemeClr val="tx1">
+                    <a:lumMod val="65000"/>
+                    <a:lumOff val="35000"/>
+                  </a:schemeClr>
+                </a:solidFill>
+              </a:rPr>
+              <a:t>Four applications (ATM, buying food and drinks, reservations for camping site, checking people in and out)</a:t>
+            </a:r>
+          </a:p>
+          <a:p>
+            <a:r>
+              <a:rPr lang="en-US" sz="2600" dirty="0">
+                <a:solidFill>
+                  <a:schemeClr val="tx1">
+                    <a:lumMod val="65000"/>
+                    <a:lumOff val="35000"/>
+                  </a:schemeClr>
+                </a:solidFill>
+              </a:rPr>
               <a:t>Database that supports website and apps</a:t>
             </a:r>
           </a:p>
